--- a/doc/개발 스택.pptx
+++ b/doc/개발 스택.pptx
@@ -104,6 +104,11 @@
       </a:defRPr>
     </a:lvl9pPr>
   </p:defaultTextStyle>
+  <p:extLst>
+    <p:ext uri="{EFAFB233-063F-42B5-8137-9DF3F51BA10A}">
+      <p15:sldGuideLst xmlns:p15="http://schemas.microsoft.com/office/powerpoint/2012/main"/>
+    </p:ext>
+  </p:extLst>
 </p:presentation>
 </file>
 
@@ -254,7 +259,7 @@
           <a:p>
             <a:fld id="{6F6D2C7E-62AE-4F2B-9991-DD75C2B3B5A1}" type="datetimeFigureOut">
               <a:rPr lang="ko-KR" altLang="en-US" smtClean="0"/>
-              <a:t>2026-01-21</a:t>
+              <a:t>2026-01-26</a:t>
             </a:fld>
             <a:endParaRPr lang="ko-KR" altLang="en-US"/>
           </a:p>
@@ -452,7 +457,7 @@
           <a:p>
             <a:fld id="{6F6D2C7E-62AE-4F2B-9991-DD75C2B3B5A1}" type="datetimeFigureOut">
               <a:rPr lang="ko-KR" altLang="en-US" smtClean="0"/>
-              <a:t>2026-01-21</a:t>
+              <a:t>2026-01-26</a:t>
             </a:fld>
             <a:endParaRPr lang="ko-KR" altLang="en-US"/>
           </a:p>
@@ -660,7 +665,7 @@
           <a:p>
             <a:fld id="{6F6D2C7E-62AE-4F2B-9991-DD75C2B3B5A1}" type="datetimeFigureOut">
               <a:rPr lang="ko-KR" altLang="en-US" smtClean="0"/>
-              <a:t>2026-01-21</a:t>
+              <a:t>2026-01-26</a:t>
             </a:fld>
             <a:endParaRPr lang="ko-KR" altLang="en-US"/>
           </a:p>
@@ -858,7 +863,7 @@
           <a:p>
             <a:fld id="{6F6D2C7E-62AE-4F2B-9991-DD75C2B3B5A1}" type="datetimeFigureOut">
               <a:rPr lang="ko-KR" altLang="en-US" smtClean="0"/>
-              <a:t>2026-01-21</a:t>
+              <a:t>2026-01-26</a:t>
             </a:fld>
             <a:endParaRPr lang="ko-KR" altLang="en-US"/>
           </a:p>
@@ -1133,7 +1138,7 @@
           <a:p>
             <a:fld id="{6F6D2C7E-62AE-4F2B-9991-DD75C2B3B5A1}" type="datetimeFigureOut">
               <a:rPr lang="ko-KR" altLang="en-US" smtClean="0"/>
-              <a:t>2026-01-21</a:t>
+              <a:t>2026-01-26</a:t>
             </a:fld>
             <a:endParaRPr lang="ko-KR" altLang="en-US"/>
           </a:p>
@@ -1398,7 +1403,7 @@
           <a:p>
             <a:fld id="{6F6D2C7E-62AE-4F2B-9991-DD75C2B3B5A1}" type="datetimeFigureOut">
               <a:rPr lang="ko-KR" altLang="en-US" smtClean="0"/>
-              <a:t>2026-01-21</a:t>
+              <a:t>2026-01-26</a:t>
             </a:fld>
             <a:endParaRPr lang="ko-KR" altLang="en-US"/>
           </a:p>
@@ -1810,7 +1815,7 @@
           <a:p>
             <a:fld id="{6F6D2C7E-62AE-4F2B-9991-DD75C2B3B5A1}" type="datetimeFigureOut">
               <a:rPr lang="ko-KR" altLang="en-US" smtClean="0"/>
-              <a:t>2026-01-21</a:t>
+              <a:t>2026-01-26</a:t>
             </a:fld>
             <a:endParaRPr lang="ko-KR" altLang="en-US"/>
           </a:p>
@@ -1951,7 +1956,7 @@
           <a:p>
             <a:fld id="{6F6D2C7E-62AE-4F2B-9991-DD75C2B3B5A1}" type="datetimeFigureOut">
               <a:rPr lang="ko-KR" altLang="en-US" smtClean="0"/>
-              <a:t>2026-01-21</a:t>
+              <a:t>2026-01-26</a:t>
             </a:fld>
             <a:endParaRPr lang="ko-KR" altLang="en-US"/>
           </a:p>
@@ -2064,7 +2069,7 @@
           <a:p>
             <a:fld id="{6F6D2C7E-62AE-4F2B-9991-DD75C2B3B5A1}" type="datetimeFigureOut">
               <a:rPr lang="ko-KR" altLang="en-US" smtClean="0"/>
-              <a:t>2026-01-21</a:t>
+              <a:t>2026-01-26</a:t>
             </a:fld>
             <a:endParaRPr lang="ko-KR" altLang="en-US"/>
           </a:p>
@@ -2375,7 +2380,7 @@
           <a:p>
             <a:fld id="{6F6D2C7E-62AE-4F2B-9991-DD75C2B3B5A1}" type="datetimeFigureOut">
               <a:rPr lang="ko-KR" altLang="en-US" smtClean="0"/>
-              <a:t>2026-01-21</a:t>
+              <a:t>2026-01-26</a:t>
             </a:fld>
             <a:endParaRPr lang="ko-KR" altLang="en-US"/>
           </a:p>
@@ -2663,7 +2668,7 @@
           <a:p>
             <a:fld id="{6F6D2C7E-62AE-4F2B-9991-DD75C2B3B5A1}" type="datetimeFigureOut">
               <a:rPr lang="ko-KR" altLang="en-US" smtClean="0"/>
-              <a:t>2026-01-21</a:t>
+              <a:t>2026-01-26</a:t>
             </a:fld>
             <a:endParaRPr lang="ko-KR" altLang="en-US"/>
           </a:p>
@@ -2904,7 +2909,7 @@
           <a:p>
             <a:fld id="{6F6D2C7E-62AE-4F2B-9991-DD75C2B3B5A1}" type="datetimeFigureOut">
               <a:rPr lang="ko-KR" altLang="en-US" smtClean="0"/>
-              <a:t>2026-01-21</a:t>
+              <a:t>2026-01-26</a:t>
             </a:fld>
             <a:endParaRPr lang="ko-KR" altLang="en-US"/>
           </a:p>
@@ -3963,8 +3968,8 @@
         </p:nvSpPr>
         <p:spPr>
           <a:xfrm>
-            <a:off x="3356059" y="2542522"/>
-            <a:ext cx="7601008" cy="3842567"/>
+            <a:off x="3621039" y="2542522"/>
+            <a:ext cx="4255619" cy="3842567"/>
           </a:xfrm>
           <a:prstGeom prst="roundRect">
             <a:avLst/>
@@ -4212,8 +4217,8 @@
         </p:nvSpPr>
         <p:spPr>
           <a:xfrm>
-            <a:off x="4278257" y="3203707"/>
-            <a:ext cx="1402806" cy="323165"/>
+            <a:off x="4102663" y="3094712"/>
+            <a:ext cx="1402806" cy="461665"/>
           </a:xfrm>
           <a:prstGeom prst="rect">
             <a:avLst/>
@@ -4227,7 +4232,7 @@
           <a:lstStyle/>
           <a:p>
             <a:r>
-              <a:rPr lang="en-US" altLang="ko-KR" sz="1500" dirty="0"/>
+              <a:rPr lang="en-US" altLang="ko-KR" sz="2400" dirty="0"/>
               <a:t>Model</a:t>
             </a:r>
           </a:p>
@@ -4418,8 +4423,8 @@
         </p:nvSpPr>
         <p:spPr>
           <a:xfrm>
-            <a:off x="6354370" y="3165410"/>
-            <a:ext cx="1402806" cy="323165"/>
+            <a:off x="6138960" y="3103653"/>
+            <a:ext cx="1873040" cy="461665"/>
           </a:xfrm>
           <a:prstGeom prst="rect">
             <a:avLst/>
@@ -4433,9 +4438,10 @@
           <a:lstStyle/>
           <a:p>
             <a:r>
-              <a:rPr lang="en-US" altLang="ko-KR" sz="1500" dirty="0"/>
+              <a:rPr lang="en-US" altLang="ko-KR" sz="2400" dirty="0"/>
               <a:t>Controller</a:t>
             </a:r>
+            <a:endParaRPr lang="en-US" altLang="ko-KR" sz="1500" dirty="0"/>
           </a:p>
         </p:txBody>
       </p:sp>
@@ -4661,7 +4667,7 @@
         </p:nvSpPr>
         <p:spPr>
           <a:xfrm>
-            <a:off x="8956829" y="2921000"/>
+            <a:off x="9143641" y="2921000"/>
             <a:ext cx="1775726" cy="2436750"/>
           </a:xfrm>
           <a:prstGeom prst="rect">
@@ -4710,7 +4716,7 @@
         </p:nvSpPr>
         <p:spPr>
           <a:xfrm rot="16200000">
-            <a:off x="8134804" y="4134829"/>
+            <a:off x="8272456" y="4134829"/>
             <a:ext cx="474981" cy="912388"/>
           </a:xfrm>
           <a:prstGeom prst="uturnArrow">
@@ -4769,7 +4775,7 @@
         </p:nvSpPr>
         <p:spPr>
           <a:xfrm>
-            <a:off x="7722356" y="3946289"/>
+            <a:off x="7909168" y="3946289"/>
             <a:ext cx="1299876" cy="323165"/>
           </a:xfrm>
           <a:prstGeom prst="rect">
@@ -4911,7 +4917,7 @@
         </p:blipFill>
         <p:spPr bwMode="auto">
           <a:xfrm>
-            <a:off x="7819855" y="3408814"/>
+            <a:off x="8006667" y="3408814"/>
             <a:ext cx="1119740" cy="537475"/>
           </a:xfrm>
           <a:prstGeom prst="rect">
@@ -4943,8 +4949,8 @@
         </p:nvSpPr>
         <p:spPr>
           <a:xfrm>
-            <a:off x="9397317" y="3206454"/>
-            <a:ext cx="1402806" cy="323165"/>
+            <a:off x="9610717" y="3103653"/>
+            <a:ext cx="1402806" cy="461665"/>
           </a:xfrm>
           <a:prstGeom prst="rect">
             <a:avLst/>
@@ -4958,7 +4964,7 @@
           <a:lstStyle/>
           <a:p>
             <a:r>
-              <a:rPr lang="en-US" altLang="ko-KR" sz="1500" dirty="0"/>
+              <a:rPr lang="en-US" altLang="ko-KR" sz="2400" dirty="0"/>
               <a:t>View</a:t>
             </a:r>
           </a:p>
@@ -4993,7 +4999,7 @@
         </p:blipFill>
         <p:spPr bwMode="auto">
           <a:xfrm>
-            <a:off x="9188614" y="3493358"/>
+            <a:off x="9375426" y="3493358"/>
             <a:ext cx="1253806" cy="693330"/>
           </a:xfrm>
           <a:prstGeom prst="rect">
@@ -5040,55 +5046,8 @@
         </p:blipFill>
         <p:spPr bwMode="auto">
           <a:xfrm>
-            <a:off x="9115677" y="4035526"/>
+            <a:off x="9302489" y="4035526"/>
             <a:ext cx="1326743" cy="693330"/>
-          </a:xfrm>
-          <a:prstGeom prst="rect">
-            <a:avLst/>
-          </a:prstGeom>
-          <a:noFill/>
-          <a:extLst>
-            <a:ext uri="{909E8E84-426E-40DD-AFC4-6F175D3DCCD1}">
-              <a14:hiddenFill xmlns:a14="http://schemas.microsoft.com/office/drawing/2010/main">
-                <a:solidFill>
-                  <a:srgbClr val="FFFFFF"/>
-                </a:solidFill>
-              </a14:hiddenFill>
-            </a:ext>
-          </a:extLst>
-        </p:spPr>
-      </p:pic>
-      <p:pic>
-        <p:nvPicPr>
-          <p:cNvPr id="1048" name="Picture 24" descr="Django - 나무위키">
-            <a:extLst>
-              <a:ext uri="{FF2B5EF4-FFF2-40B4-BE49-F238E27FC236}">
-                <a16:creationId xmlns:a16="http://schemas.microsoft.com/office/drawing/2014/main" id="{00E9A4F7-EA96-A680-F512-1EDD4FFC5458}"/>
-              </a:ext>
-            </a:extLst>
-          </p:cNvPr>
-          <p:cNvPicPr>
-            <a:picLocks noChangeAspect="1" noChangeArrowheads="1"/>
-          </p:cNvPicPr>
-          <p:nvPr/>
-        </p:nvPicPr>
-        <p:blipFill>
-          <a:blip r:embed="rId12">
-            <a:extLst>
-              <a:ext uri="{28A0092B-C50C-407E-A947-70E740481C1C}">
-                <a14:useLocalDpi xmlns:a14="http://schemas.microsoft.com/office/drawing/2010/main" val="0"/>
-              </a:ext>
-            </a:extLst>
-          </a:blip>
-          <a:srcRect/>
-          <a:stretch>
-            <a:fillRect/>
-          </a:stretch>
-        </p:blipFill>
-        <p:spPr bwMode="auto">
-          <a:xfrm>
-            <a:off x="9340086" y="4705765"/>
-            <a:ext cx="1062893" cy="367282"/>
           </a:xfrm>
           <a:prstGeom prst="rect">
             <a:avLst/>
@@ -5533,7 +5492,7 @@
           <p:nvPr/>
         </p:nvPicPr>
         <p:blipFill>
-          <a:blip r:embed="rId13">
+          <a:blip r:embed="rId12">
             <a:extLst>
               <a:ext uri="{28A0092B-C50C-407E-A947-70E740481C1C}">
                 <a14:useLocalDpi xmlns:a14="http://schemas.microsoft.com/office/drawing/2010/main" val="0"/>
@@ -5547,8 +5506,8 @@
         </p:blipFill>
         <p:spPr bwMode="auto">
           <a:xfrm>
-            <a:off x="6990906" y="5517273"/>
-            <a:ext cx="1399028" cy="725635"/>
+            <a:off x="4246972" y="1992933"/>
+            <a:ext cx="1585603" cy="822406"/>
           </a:xfrm>
           <a:prstGeom prst="rect">
             <a:avLst/>
@@ -5580,7 +5539,7 @@
           <p:nvPr/>
         </p:nvPicPr>
         <p:blipFill>
-          <a:blip r:embed="rId14">
+          <a:blip r:embed="rId13">
             <a:extLst>
               <a:ext uri="{28A0092B-C50C-407E-A947-70E740481C1C}">
                 <a14:useLocalDpi xmlns:a14="http://schemas.microsoft.com/office/drawing/2010/main" val="0"/>
@@ -5627,7 +5586,7 @@
           <p:nvPr/>
         </p:nvPicPr>
         <p:blipFill>
-          <a:blip r:embed="rId15">
+          <a:blip r:embed="rId14">
             <a:extLst>
               <a:ext uri="{28A0092B-C50C-407E-A947-70E740481C1C}">
                 <a14:useLocalDpi xmlns:a14="http://schemas.microsoft.com/office/drawing/2010/main" val="0"/>
@@ -5641,7 +5600,7 @@
         </p:blipFill>
         <p:spPr bwMode="auto">
           <a:xfrm>
-            <a:off x="4762539" y="5473442"/>
+            <a:off x="4141215" y="5383811"/>
             <a:ext cx="809304" cy="777498"/>
           </a:xfrm>
           <a:prstGeom prst="rect">
@@ -5674,7 +5633,7 @@
           <p:nvPr/>
         </p:nvPicPr>
         <p:blipFill>
-          <a:blip r:embed="rId16">
+          <a:blip r:embed="rId15">
             <a:extLst>
               <a:ext uri="{28A0092B-C50C-407E-A947-70E740481C1C}">
                 <a14:useLocalDpi xmlns:a14="http://schemas.microsoft.com/office/drawing/2010/main" val="0"/>
@@ -5688,8 +5647,8 @@
         </p:blipFill>
         <p:spPr bwMode="auto">
           <a:xfrm>
-            <a:off x="5675172" y="5507354"/>
-            <a:ext cx="1212550" cy="743585"/>
+            <a:off x="5046234" y="5534472"/>
+            <a:ext cx="1023508" cy="627657"/>
           </a:xfrm>
           <a:prstGeom prst="rect">
             <a:avLst/>
@@ -5721,7 +5680,7 @@
           <p:nvPr/>
         </p:nvPicPr>
         <p:blipFill>
-          <a:blip r:embed="rId17">
+          <a:blip r:embed="rId16">
             <a:extLst>
               <a:ext uri="{28A0092B-C50C-407E-A947-70E740481C1C}">
                 <a14:useLocalDpi xmlns:a14="http://schemas.microsoft.com/office/drawing/2010/main" val="0"/>
@@ -5735,8 +5694,8 @@
         </p:blipFill>
         <p:spPr bwMode="auto">
           <a:xfrm>
-            <a:off x="8389934" y="5522537"/>
-            <a:ext cx="1425583" cy="671375"/>
+            <a:off x="6140192" y="5456874"/>
+            <a:ext cx="1508468" cy="777498"/>
           </a:xfrm>
           <a:prstGeom prst="rect">
             <a:avLst/>
@@ -5753,6 +5712,110 @@
           </a:extLst>
         </p:spPr>
       </p:pic>
+      <p:grpSp>
+        <p:nvGrpSpPr>
+          <p:cNvPr id="5" name="그룹 4">
+            <a:extLst>
+              <a:ext uri="{FF2B5EF4-FFF2-40B4-BE49-F238E27FC236}">
+                <a16:creationId xmlns:a16="http://schemas.microsoft.com/office/drawing/2014/main" id="{57B9C2A5-5326-397E-A196-58BE30AE126C}"/>
+              </a:ext>
+            </a:extLst>
+          </p:cNvPr>
+          <p:cNvGrpSpPr/>
+          <p:nvPr/>
+        </p:nvGrpSpPr>
+        <p:grpSpPr>
+          <a:xfrm>
+            <a:off x="9428831" y="4710411"/>
+            <a:ext cx="1451227" cy="338595"/>
+            <a:chOff x="996406" y="694017"/>
+            <a:chExt cx="2298186" cy="711733"/>
+          </a:xfrm>
+        </p:grpSpPr>
+        <p:pic>
+          <p:nvPicPr>
+            <p:cNvPr id="7" name="Picture 2" descr="Visual Studio Code - Windows에서 다운로드 및 설치 | Microsoft Store">
+              <a:extLst>
+                <a:ext uri="{FF2B5EF4-FFF2-40B4-BE49-F238E27FC236}">
+                  <a16:creationId xmlns:a16="http://schemas.microsoft.com/office/drawing/2014/main" id="{307C5C5C-3AF4-795E-38D5-3D1C10E06BAD}"/>
+                </a:ext>
+              </a:extLst>
+            </p:cNvPr>
+            <p:cNvPicPr>
+              <a:picLocks noChangeAspect="1" noChangeArrowheads="1"/>
+            </p:cNvPicPr>
+            <p:nvPr/>
+          </p:nvPicPr>
+          <p:blipFill>
+            <a:blip r:embed="rId2">
+              <a:extLst>
+                <a:ext uri="{28A0092B-C50C-407E-A947-70E740481C1C}">
+                  <a14:useLocalDpi xmlns:a14="http://schemas.microsoft.com/office/drawing/2010/main" val="0"/>
+                </a:ext>
+              </a:extLst>
+            </a:blip>
+            <a:srcRect/>
+            <a:stretch>
+              <a:fillRect/>
+            </a:stretch>
+          </p:blipFill>
+          <p:spPr bwMode="auto">
+            <a:xfrm>
+              <a:off x="996406" y="694017"/>
+              <a:ext cx="711732" cy="711733"/>
+            </a:xfrm>
+            <a:prstGeom prst="rect">
+              <a:avLst/>
+            </a:prstGeom>
+            <a:noFill/>
+            <a:extLst>
+              <a:ext uri="{909E8E84-426E-40DD-AFC4-6F175D3DCCD1}">
+                <a14:hiddenFill xmlns:a14="http://schemas.microsoft.com/office/drawing/2010/main">
+                  <a:solidFill>
+                    <a:srgbClr val="FFFFFF"/>
+                  </a:solidFill>
+                </a14:hiddenFill>
+              </a:ext>
+            </a:extLst>
+          </p:spPr>
+        </p:pic>
+        <p:sp>
+          <p:nvSpPr>
+            <p:cNvPr id="10" name="TextBox 9">
+              <a:extLst>
+                <a:ext uri="{FF2B5EF4-FFF2-40B4-BE49-F238E27FC236}">
+                  <a16:creationId xmlns:a16="http://schemas.microsoft.com/office/drawing/2014/main" id="{52F6AA66-3940-6A8B-7090-8B2EE90DA75D}"/>
+                </a:ext>
+              </a:extLst>
+            </p:cNvPr>
+            <p:cNvSpPr txBox="1"/>
+            <p:nvPr/>
+          </p:nvSpPr>
+          <p:spPr>
+            <a:xfrm>
+              <a:off x="1691465" y="702080"/>
+              <a:ext cx="1603127" cy="679298"/>
+            </a:xfrm>
+            <a:prstGeom prst="rect">
+              <a:avLst/>
+            </a:prstGeom>
+            <a:noFill/>
+          </p:spPr>
+          <p:txBody>
+            <a:bodyPr wrap="square" rtlCol="0">
+              <a:spAutoFit/>
+            </a:bodyPr>
+            <a:lstStyle/>
+            <a:p>
+              <a:r>
+                <a:rPr lang="en-US" altLang="ko-KR" sz="1500" dirty="0" err="1"/>
+                <a:t>VSCode</a:t>
+              </a:r>
+              <a:endParaRPr lang="ko-KR" altLang="en-US" sz="1500" dirty="0"/>
+            </a:p>
+          </p:txBody>
+        </p:sp>
+      </p:grpSp>
     </p:spTree>
     <p:extLst>
       <p:ext uri="{BB962C8B-B14F-4D97-AF65-F5344CB8AC3E}">
